--- a/RolandJiang.pptx
+++ b/RolandJiang.pptx
@@ -5,16 +5,18 @@
     <p:sldMasterId id="2147483649" r:id="rId1"/>
   </p:sldMasterIdLst>
   <p:notesMasterIdLst>
-    <p:notesMasterId r:id="rId9"/>
+    <p:notesMasterId r:id="rId11"/>
   </p:notesMasterIdLst>
   <p:sldIdLst>
     <p:sldId id="256" r:id="rId2"/>
     <p:sldId id="257" r:id="rId3"/>
     <p:sldId id="259" r:id="rId4"/>
-    <p:sldId id="258" r:id="rId5"/>
-    <p:sldId id="260" r:id="rId6"/>
-    <p:sldId id="261" r:id="rId7"/>
-    <p:sldId id="262" r:id="rId8"/>
+    <p:sldId id="263" r:id="rId5"/>
+    <p:sldId id="264" r:id="rId6"/>
+    <p:sldId id="258" r:id="rId7"/>
+    <p:sldId id="260" r:id="rId8"/>
+    <p:sldId id="261" r:id="rId9"/>
+    <p:sldId id="262" r:id="rId10"/>
   </p:sldIdLst>
   <p:sldSz cx="9144000" cy="6858000" type="screen4x3"/>
   <p:notesSz cx="7099300" cy="10234613"/>
@@ -736,7 +738,7 @@
               <a:pPr>
                 <a:defRPr/>
               </a:pPr>
-              <a:t>4</a:t>
+              <a:t>6</a:t>
             </a:fld>
             <a:endParaRPr lang="en-US" altLang="zh-TW"/>
           </a:p>
@@ -6476,7 +6478,7 @@
           <a:p>
             <a:r>
               <a:rPr lang="en-US" altLang="zh-TW" dirty="0"/>
-              <a:t>Naive Thought</a:t>
+              <a:t>IDEAS</a:t>
             </a:r>
             <a:endParaRPr lang="zh-TW" altLang="en-US" dirty="0"/>
           </a:p>
@@ -6498,33 +6500,39 @@
             <p:ph idx="1"/>
           </p:nvPr>
         </p:nvSpPr>
-        <p:spPr>
-          <a:xfrm>
-            <a:off x="1794520" y="2124668"/>
-            <a:ext cx="1378496" cy="1009674"/>
-          </a:xfrm>
-        </p:spPr>
+        <p:spPr/>
         <p:txBody>
           <a:bodyPr/>
           <a:lstStyle/>
           <a:p>
-            <a:pPr marL="0" indent="0" algn="ctr">
-              <a:buNone/>
-            </a:pPr>
             <a:r>
               <a:rPr lang="en-US" altLang="zh-TW" dirty="0"/>
-              <a:t>ABC</a:t>
-            </a:r>
-          </a:p>
-          <a:p>
-            <a:pPr marL="0" indent="0" algn="ctr">
-              <a:buNone/>
-            </a:pPr>
+              <a:t>Logic Synthesis -&gt; ABC + SA</a:t>
+            </a:r>
+          </a:p>
+          <a:p>
+            <a:pPr lvl="1"/>
             <a:r>
               <a:rPr lang="en-US" altLang="zh-TW" dirty="0"/>
-              <a:t>SA</a:t>
-            </a:r>
-            <a:endParaRPr lang="zh-TW" altLang="en-US" dirty="0"/>
+              <a:t>Neighborhood : ABC Commands</a:t>
+            </a:r>
+          </a:p>
+          <a:p>
+            <a:pPr lvl="1"/>
+            <a:r>
+              <a:rPr lang="en-US" altLang="zh-TW" dirty="0"/>
+              <a:t>Step : Randomly pick a command to execute, then output the netlist after the execution of the command. Give a heuristic assignment of gate #, then compute Cost(netlist)</a:t>
+            </a:r>
+          </a:p>
+          <a:p>
+            <a:pPr lvl="1"/>
+            <a:r>
+              <a:rPr lang="en-US" altLang="zh-TW" dirty="0"/>
+              <a:t>Cost : From the given cost estimators</a:t>
+            </a:r>
+          </a:p>
+          <a:p>
+            <a:endParaRPr lang="en-US" altLang="zh-TW" dirty="0"/>
           </a:p>
         </p:txBody>
       </p:sp>
@@ -6558,6 +6566,290 @@
                 <a:defRPr/>
               </a:pPr>
               <a:t>4</a:t>
+            </a:fld>
+            <a:endParaRPr lang="en-US" altLang="zh-TW"/>
+          </a:p>
+        </p:txBody>
+      </p:sp>
+    </p:spTree>
+    <p:extLst>
+      <p:ext uri="{BB962C8B-B14F-4D97-AF65-F5344CB8AC3E}">
+        <p14:creationId xmlns:p14="http://schemas.microsoft.com/office/powerpoint/2010/main" val="2657542943"/>
+      </p:ext>
+    </p:extLst>
+  </p:cSld>
+  <p:clrMapOvr>
+    <a:masterClrMapping/>
+  </p:clrMapOvr>
+</p:sld>
+</file>
+
+<file path=ppt/slides/slide5.xml><?xml version="1.0" encoding="utf-8"?>
+<p:sld xmlns:a="http://schemas.openxmlformats.org/drawingml/2006/main" xmlns:r="http://schemas.openxmlformats.org/officeDocument/2006/relationships" xmlns:p="http://schemas.openxmlformats.org/presentationml/2006/main">
+  <p:cSld>
+    <p:spTree>
+      <p:nvGrpSpPr>
+        <p:cNvPr id="1" name=""/>
+        <p:cNvGrpSpPr/>
+        <p:nvPr/>
+      </p:nvGrpSpPr>
+      <p:grpSpPr>
+        <a:xfrm>
+          <a:off x="0" y="0"/>
+          <a:ext cx="0" cy="0"/>
+          <a:chOff x="0" y="0"/>
+          <a:chExt cx="0" cy="0"/>
+        </a:xfrm>
+      </p:grpSpPr>
+      <p:sp>
+        <p:nvSpPr>
+          <p:cNvPr id="2" name="標題 1">
+            <a:extLst>
+              <a:ext uri="{FF2B5EF4-FFF2-40B4-BE49-F238E27FC236}">
+                <a16:creationId xmlns:a16="http://schemas.microsoft.com/office/drawing/2014/main" id="{442A927F-92B0-E5E5-F227-F3EC15CE917E}"/>
+              </a:ext>
+            </a:extLst>
+          </p:cNvPr>
+          <p:cNvSpPr>
+            <a:spLocks noGrp="1"/>
+          </p:cNvSpPr>
+          <p:nvPr>
+            <p:ph type="title"/>
+          </p:nvPr>
+        </p:nvSpPr>
+        <p:spPr/>
+        <p:txBody>
+          <a:bodyPr/>
+          <a:lstStyle/>
+          <a:p>
+            <a:r>
+              <a:rPr lang="en-US" altLang="zh-TW" dirty="0"/>
+              <a:t>IDEAS</a:t>
+            </a:r>
+            <a:endParaRPr lang="zh-TW" altLang="en-US" dirty="0"/>
+          </a:p>
+        </p:txBody>
+      </p:sp>
+      <p:sp>
+        <p:nvSpPr>
+          <p:cNvPr id="3" name="內容版面配置區 2">
+            <a:extLst>
+              <a:ext uri="{FF2B5EF4-FFF2-40B4-BE49-F238E27FC236}">
+                <a16:creationId xmlns:a16="http://schemas.microsoft.com/office/drawing/2014/main" id="{7447DF35-E949-4F5D-8FB5-18A310E4BB06}"/>
+              </a:ext>
+            </a:extLst>
+          </p:cNvPr>
+          <p:cNvSpPr>
+            <a:spLocks noGrp="1"/>
+          </p:cNvSpPr>
+          <p:nvPr>
+            <p:ph idx="1"/>
+          </p:nvPr>
+        </p:nvSpPr>
+        <p:spPr/>
+        <p:txBody>
+          <a:bodyPr/>
+          <a:lstStyle/>
+          <a:p>
+            <a:r>
+              <a:rPr lang="en-US" altLang="zh-TW" dirty="0"/>
+              <a:t>Technology Mapping -&gt; SA</a:t>
+            </a:r>
+          </a:p>
+          <a:p>
+            <a:pPr lvl="1"/>
+            <a:r>
+              <a:rPr lang="en-US" altLang="zh-TW" dirty="0"/>
+              <a:t>Neighborhood : Different gate #</a:t>
+            </a:r>
+          </a:p>
+          <a:p>
+            <a:pPr lvl="1"/>
+            <a:r>
+              <a:rPr lang="en-US" altLang="zh-TW" dirty="0"/>
+              <a:t>Step : Move to other neighborhood with distance is proportional to current temperature</a:t>
+            </a:r>
+          </a:p>
+          <a:p>
+            <a:pPr lvl="1"/>
+            <a:r>
+              <a:rPr lang="en-US" altLang="zh-TW" dirty="0"/>
+              <a:t>Cost : From the given cost estimators</a:t>
+            </a:r>
+            <a:endParaRPr lang="zh-TW" altLang="en-US" dirty="0"/>
+          </a:p>
+        </p:txBody>
+      </p:sp>
+      <p:sp>
+        <p:nvSpPr>
+          <p:cNvPr id="4" name="投影片編號版面配置區 3">
+            <a:extLst>
+              <a:ext uri="{FF2B5EF4-FFF2-40B4-BE49-F238E27FC236}">
+                <a16:creationId xmlns:a16="http://schemas.microsoft.com/office/drawing/2014/main" id="{B15D0ABC-0C0F-79C2-DBDF-649A7D01CC8E}"/>
+              </a:ext>
+            </a:extLst>
+          </p:cNvPr>
+          <p:cNvSpPr>
+            <a:spLocks noGrp="1"/>
+          </p:cNvSpPr>
+          <p:nvPr>
+            <p:ph type="sldNum" sz="quarter" idx="12"/>
+          </p:nvPr>
+        </p:nvSpPr>
+        <p:spPr/>
+        <p:txBody>
+          <a:bodyPr/>
+          <a:lstStyle/>
+          <a:p>
+            <a:pPr>
+              <a:defRPr/>
+            </a:pPr>
+            <a:fld id="{8F5F56E1-31C3-4936-AC76-6E9C056A1F24}" type="slidenum">
+              <a:rPr lang="en-US" altLang="zh-TW" smtClean="0"/>
+              <a:pPr>
+                <a:defRPr/>
+              </a:pPr>
+              <a:t>5</a:t>
+            </a:fld>
+            <a:endParaRPr lang="en-US" altLang="zh-TW"/>
+          </a:p>
+        </p:txBody>
+      </p:sp>
+    </p:spTree>
+    <p:extLst>
+      <p:ext uri="{BB962C8B-B14F-4D97-AF65-F5344CB8AC3E}">
+        <p14:creationId xmlns:p14="http://schemas.microsoft.com/office/powerpoint/2010/main" val="1726299754"/>
+      </p:ext>
+    </p:extLst>
+  </p:cSld>
+  <p:clrMapOvr>
+    <a:masterClrMapping/>
+  </p:clrMapOvr>
+</p:sld>
+</file>
+
+<file path=ppt/slides/slide6.xml><?xml version="1.0" encoding="utf-8"?>
+<p:sld xmlns:a="http://schemas.openxmlformats.org/drawingml/2006/main" xmlns:r="http://schemas.openxmlformats.org/officeDocument/2006/relationships" xmlns:p="http://schemas.openxmlformats.org/presentationml/2006/main">
+  <p:cSld>
+    <p:spTree>
+      <p:nvGrpSpPr>
+        <p:cNvPr id="1" name=""/>
+        <p:cNvGrpSpPr/>
+        <p:nvPr/>
+      </p:nvGrpSpPr>
+      <p:grpSpPr>
+        <a:xfrm>
+          <a:off x="0" y="0"/>
+          <a:ext cx="0" cy="0"/>
+          <a:chOff x="0" y="0"/>
+          <a:chExt cx="0" cy="0"/>
+        </a:xfrm>
+      </p:grpSpPr>
+      <p:sp>
+        <p:nvSpPr>
+          <p:cNvPr id="2" name="標題 1">
+            <a:extLst>
+              <a:ext uri="{FF2B5EF4-FFF2-40B4-BE49-F238E27FC236}">
+                <a16:creationId xmlns:a16="http://schemas.microsoft.com/office/drawing/2014/main" id="{442A927F-92B0-E5E5-F227-F3EC15CE917E}"/>
+              </a:ext>
+            </a:extLst>
+          </p:cNvPr>
+          <p:cNvSpPr>
+            <a:spLocks noGrp="1"/>
+          </p:cNvSpPr>
+          <p:nvPr>
+            <p:ph type="title"/>
+          </p:nvPr>
+        </p:nvSpPr>
+        <p:spPr/>
+        <p:txBody>
+          <a:bodyPr/>
+          <a:lstStyle/>
+          <a:p>
+            <a:r>
+              <a:rPr lang="en-US" altLang="zh-TW" dirty="0"/>
+              <a:t>Naive Thought</a:t>
+            </a:r>
+            <a:endParaRPr lang="zh-TW" altLang="en-US" dirty="0"/>
+          </a:p>
+        </p:txBody>
+      </p:sp>
+      <p:sp>
+        <p:nvSpPr>
+          <p:cNvPr id="3" name="內容版面配置區 2">
+            <a:extLst>
+              <a:ext uri="{FF2B5EF4-FFF2-40B4-BE49-F238E27FC236}">
+                <a16:creationId xmlns:a16="http://schemas.microsoft.com/office/drawing/2014/main" id="{7447DF35-E949-4F5D-8FB5-18A310E4BB06}"/>
+              </a:ext>
+            </a:extLst>
+          </p:cNvPr>
+          <p:cNvSpPr>
+            <a:spLocks noGrp="1"/>
+          </p:cNvSpPr>
+          <p:nvPr>
+            <p:ph idx="1"/>
+          </p:nvPr>
+        </p:nvSpPr>
+        <p:spPr>
+          <a:xfrm>
+            <a:off x="1794520" y="2124668"/>
+            <a:ext cx="1378496" cy="1009674"/>
+          </a:xfrm>
+        </p:spPr>
+        <p:txBody>
+          <a:bodyPr/>
+          <a:lstStyle/>
+          <a:p>
+            <a:pPr marL="0" indent="0" algn="ctr">
+              <a:buNone/>
+            </a:pPr>
+            <a:r>
+              <a:rPr lang="en-US" altLang="zh-TW" dirty="0"/>
+              <a:t>ABC</a:t>
+            </a:r>
+          </a:p>
+          <a:p>
+            <a:pPr marL="0" indent="0" algn="ctr">
+              <a:buNone/>
+            </a:pPr>
+            <a:r>
+              <a:rPr lang="en-US" altLang="zh-TW" dirty="0"/>
+              <a:t>SA</a:t>
+            </a:r>
+            <a:endParaRPr lang="zh-TW" altLang="en-US" dirty="0"/>
+          </a:p>
+        </p:txBody>
+      </p:sp>
+      <p:sp>
+        <p:nvSpPr>
+          <p:cNvPr id="4" name="投影片編號版面配置區 3">
+            <a:extLst>
+              <a:ext uri="{FF2B5EF4-FFF2-40B4-BE49-F238E27FC236}">
+                <a16:creationId xmlns:a16="http://schemas.microsoft.com/office/drawing/2014/main" id="{B15D0ABC-0C0F-79C2-DBDF-649A7D01CC8E}"/>
+              </a:ext>
+            </a:extLst>
+          </p:cNvPr>
+          <p:cNvSpPr>
+            <a:spLocks noGrp="1"/>
+          </p:cNvSpPr>
+          <p:nvPr>
+            <p:ph type="sldNum" sz="quarter" idx="12"/>
+          </p:nvPr>
+        </p:nvSpPr>
+        <p:spPr/>
+        <p:txBody>
+          <a:bodyPr/>
+          <a:lstStyle/>
+          <a:p>
+            <a:pPr>
+              <a:defRPr/>
+            </a:pPr>
+            <a:fld id="{8F5F56E1-31C3-4936-AC76-6E9C056A1F24}" type="slidenum">
+              <a:rPr lang="en-US" altLang="zh-TW" smtClean="0"/>
+              <a:pPr>
+                <a:defRPr/>
+              </a:pPr>
+              <a:t>6</a:t>
             </a:fld>
             <a:endParaRPr lang="en-US" altLang="zh-TW"/>
           </a:p>
@@ -8436,7 +8728,7 @@
 </p:sld>
 </file>
 
-<file path=ppt/slides/slide5.xml><?xml version="1.0" encoding="utf-8"?>
+<file path=ppt/slides/slide7.xml><?xml version="1.0" encoding="utf-8"?>
 <p:sld xmlns:a="http://schemas.openxmlformats.org/drawingml/2006/main" xmlns:r="http://schemas.openxmlformats.org/officeDocument/2006/relationships" xmlns:p="http://schemas.openxmlformats.org/presentationml/2006/main">
   <p:cSld>
     <p:spTree>
@@ -8557,7 +8849,7 @@
               <a:pPr>
                 <a:defRPr/>
               </a:pPr>
-              <a:t>5</a:t>
+              <a:t>7</a:t>
             </a:fld>
             <a:endParaRPr lang="en-US" altLang="zh-TW"/>
           </a:p>
@@ -10416,7 +10708,7 @@
 </p:sld>
 </file>
 
-<file path=ppt/slides/slide6.xml><?xml version="1.0" encoding="utf-8"?>
+<file path=ppt/slides/slide8.xml><?xml version="1.0" encoding="utf-8"?>
 <p:sld xmlns:a="http://schemas.openxmlformats.org/drawingml/2006/main" xmlns:r="http://schemas.openxmlformats.org/officeDocument/2006/relationships" xmlns:p="http://schemas.openxmlformats.org/presentationml/2006/main">
   <p:cSld>
     <p:spTree>
@@ -10520,7 +10812,7 @@
               <a:pPr>
                 <a:defRPr/>
               </a:pPr>
-              <a:t>6</a:t>
+              <a:t>8</a:t>
             </a:fld>
             <a:endParaRPr lang="en-US" altLang="zh-TW"/>
           </a:p>
@@ -11754,7 +12046,7 @@
 </p:sld>
 </file>
 
-<file path=ppt/slides/slide7.xml><?xml version="1.0" encoding="utf-8"?>
+<file path=ppt/slides/slide9.xml><?xml version="1.0" encoding="utf-8"?>
 <p:sld xmlns:a="http://schemas.openxmlformats.org/drawingml/2006/main" xmlns:r="http://schemas.openxmlformats.org/officeDocument/2006/relationships" xmlns:p="http://schemas.openxmlformats.org/presentationml/2006/main">
   <p:cSld>
     <p:spTree>
@@ -11829,7 +12121,7 @@
               <a:pPr>
                 <a:defRPr/>
               </a:pPr>
-              <a:t>7</a:t>
+              <a:t>9</a:t>
             </a:fld>
             <a:endParaRPr lang="en-US" altLang="zh-TW"/>
           </a:p>
@@ -11856,7 +12148,7 @@
           <a:bodyPr/>
           <a:lstStyle/>
           <a:p>
-            <a:endParaRPr lang="zh-TW" altLang="en-US"/>
+            <a:endParaRPr lang="zh-TW" altLang="en-US" dirty="0"/>
           </a:p>
         </p:txBody>
       </p:sp>

--- a/RolandJiang.pptx
+++ b/RolandJiang.pptx
@@ -169,6 +169,65 @@
     </p:ext>
   </p:extLst>
 </p:presentation>
+</file>
+
+<file path=ppt/changesInfos/changesInfo1.xml><?xml version="1.0" encoding="utf-8"?>
+<pc:chgInfo xmlns:a="http://schemas.openxmlformats.org/drawingml/2006/main" xmlns:r="http://schemas.openxmlformats.org/officeDocument/2006/relationships" xmlns:ac="http://schemas.microsoft.com/office/drawing/2013/main/command" xmlns:pc="http://schemas.microsoft.com/office/powerpoint/2013/main/command">
+  <pc:docChgLst>
+    <pc:chgData name="博元 鄭" userId="b69ca1c113078644" providerId="LiveId" clId="{FE772A40-9A50-4279-BA14-4D668CF17906}"/>
+    <pc:docChg chg="modSld">
+      <pc:chgData name="博元 鄭" userId="b69ca1c113078644" providerId="LiveId" clId="{FE772A40-9A50-4279-BA14-4D668CF17906}" dt="2024-06-14T02:00:26.021" v="28" actId="20577"/>
+      <pc:docMkLst>
+        <pc:docMk/>
+      </pc:docMkLst>
+      <pc:sldChg chg="modSp mod">
+        <pc:chgData name="博元 鄭" userId="b69ca1c113078644" providerId="LiveId" clId="{FE772A40-9A50-4279-BA14-4D668CF17906}" dt="2024-06-14T02:00:13.990" v="20" actId="20577"/>
+        <pc:sldMkLst>
+          <pc:docMk/>
+          <pc:sldMk cId="1862434042" sldId="262"/>
+        </pc:sldMkLst>
+        <pc:graphicFrameChg chg="modGraphic">
+          <ac:chgData name="博元 鄭" userId="b69ca1c113078644" providerId="LiveId" clId="{FE772A40-9A50-4279-BA14-4D668CF17906}" dt="2024-06-14T02:00:13.990" v="20" actId="20577"/>
+          <ac:graphicFrameMkLst>
+            <pc:docMk/>
+            <pc:sldMk cId="1862434042" sldId="262"/>
+            <ac:graphicFrameMk id="7" creationId="{77B1AD15-9D93-C026-0ABE-F9BDC85C8F87}"/>
+          </ac:graphicFrameMkLst>
+        </pc:graphicFrameChg>
+      </pc:sldChg>
+      <pc:sldChg chg="modSp mod">
+        <pc:chgData name="博元 鄭" userId="b69ca1c113078644" providerId="LiveId" clId="{FE772A40-9A50-4279-BA14-4D668CF17906}" dt="2024-06-14T01:59:58.125" v="12" actId="20577"/>
+        <pc:sldMkLst>
+          <pc:docMk/>
+          <pc:sldMk cId="3161513941" sldId="266"/>
+        </pc:sldMkLst>
+        <pc:graphicFrameChg chg="modGraphic">
+          <ac:chgData name="博元 鄭" userId="b69ca1c113078644" providerId="LiveId" clId="{FE772A40-9A50-4279-BA14-4D668CF17906}" dt="2024-06-14T01:59:58.125" v="12" actId="20577"/>
+          <ac:graphicFrameMkLst>
+            <pc:docMk/>
+            <pc:sldMk cId="3161513941" sldId="266"/>
+            <ac:graphicFrameMk id="6" creationId="{4B262DD2-A0DF-4C49-0022-7C1AF2EE5841}"/>
+          </ac:graphicFrameMkLst>
+        </pc:graphicFrameChg>
+      </pc:sldChg>
+      <pc:sldChg chg="modSp mod">
+        <pc:chgData name="博元 鄭" userId="b69ca1c113078644" providerId="LiveId" clId="{FE772A40-9A50-4279-BA14-4D668CF17906}" dt="2024-06-14T02:00:26.021" v="28" actId="20577"/>
+        <pc:sldMkLst>
+          <pc:docMk/>
+          <pc:sldMk cId="3595697890" sldId="267"/>
+        </pc:sldMkLst>
+        <pc:graphicFrameChg chg="modGraphic">
+          <ac:chgData name="博元 鄭" userId="b69ca1c113078644" providerId="LiveId" clId="{FE772A40-9A50-4279-BA14-4D668CF17906}" dt="2024-06-14T02:00:26.021" v="28" actId="20577"/>
+          <ac:graphicFrameMkLst>
+            <pc:docMk/>
+            <pc:sldMk cId="3595697890" sldId="267"/>
+            <ac:graphicFrameMk id="7" creationId="{77B1AD15-9D93-C026-0ABE-F9BDC85C8F87}"/>
+          </ac:graphicFrameMkLst>
+        </pc:graphicFrameChg>
+      </pc:sldChg>
+    </pc:docChg>
+  </pc:docChgLst>
+</pc:chgInfo>
 </file>
 
 <file path=ppt/notesMasters/notesMaster1.xml><?xml version="1.0" encoding="utf-8"?>
@@ -5704,7 +5763,13 @@
           <p:cNvGraphicFramePr>
             <a:graphicFrameLocks noGrp="1"/>
           </p:cNvGraphicFramePr>
-          <p:nvPr/>
+          <p:nvPr>
+            <p:extLst>
+              <p:ext uri="{D42A27DB-BD31-4B8C-83A1-F6EECF244321}">
+                <p14:modId xmlns:p14="http://schemas.microsoft.com/office/powerpoint/2010/main" val="2206188233"/>
+              </p:ext>
+            </p:extLst>
+          </p:nvPr>
         </p:nvGraphicFramePr>
         <p:xfrm>
           <a:off x="35496" y="2060848"/>
@@ -8270,12 +8335,12 @@
                     <a:p>
                       <a:pPr algn="ctr" fontAlgn="ctr"/>
                       <a:r>
-                        <a:rPr lang="en-US" altLang="zh-TW" sz="1400" u="none" strike="noStrike">
+                        <a:rPr lang="en-US" altLang="zh-TW" sz="1400" u="none" strike="noStrike" dirty="0">
                           <a:effectLst/>
                         </a:rPr>
                         <a:t>85.79%</a:t>
                       </a:r>
-                      <a:endParaRPr lang="en-US" altLang="zh-TW" sz="1400" b="0" i="0" u="none" strike="noStrike">
+                      <a:endParaRPr lang="en-US" altLang="zh-TW" sz="1400" b="0" i="0" u="none" strike="noStrike" dirty="0">
                         <a:solidFill>
                           <a:srgbClr val="000000"/>
                         </a:solidFill>
@@ -8568,12 +8633,12 @@
                     <a:p>
                       <a:pPr algn="ctr" fontAlgn="ctr"/>
                       <a:r>
-                        <a:rPr lang="en-US" altLang="zh-TW" sz="1400" u="none" strike="noStrike">
-                          <a:effectLst/>
-                        </a:rPr>
-                        <a:t>6.200 </a:t>
-                      </a:r>
-                      <a:endParaRPr lang="en-US" altLang="zh-TW" sz="1400" b="0" i="0" u="none" strike="noStrike">
+                        <a:rPr lang="en-US" altLang="zh-TW" sz="1400" u="none" strike="noStrike" dirty="0">
+                          <a:effectLst/>
+                        </a:rPr>
+                        <a:t>1.804 </a:t>
+                      </a:r>
+                      <a:endParaRPr lang="en-US" altLang="zh-TW" sz="1400" b="0" i="0" u="none" strike="noStrike" dirty="0">
                         <a:solidFill>
                           <a:srgbClr val="000000"/>
                         </a:solidFill>
@@ -8857,12 +8922,12 @@
                     <a:p>
                       <a:pPr algn="ctr" fontAlgn="ctr"/>
                       <a:r>
-                        <a:rPr lang="en-US" altLang="zh-TW" sz="1400" u="none" strike="noStrike">
-                          <a:effectLst/>
-                        </a:rPr>
-                        <a:t>78.16%</a:t>
-                      </a:r>
-                      <a:endParaRPr lang="en-US" altLang="zh-TW" sz="1400" b="0" i="0" u="none" strike="noStrike">
+                        <a:rPr lang="en-US" altLang="zh-TW" sz="1400" u="none" strike="noStrike" dirty="0">
+                          <a:effectLst/>
+                        </a:rPr>
+                        <a:t>93.64%</a:t>
+                      </a:r>
+                      <a:endParaRPr lang="en-US" altLang="zh-TW" sz="1400" b="0" i="0" u="none" strike="noStrike" dirty="0">
                         <a:solidFill>
                           <a:srgbClr val="000000"/>
                         </a:solidFill>
@@ -9171,7 +9236,7 @@
           <p:nvPr>
             <p:extLst>
               <p:ext uri="{D42A27DB-BD31-4B8C-83A1-F6EECF244321}">
-                <p14:modId xmlns:p14="http://schemas.microsoft.com/office/powerpoint/2010/main" val="3277155862"/>
+                <p14:modId xmlns:p14="http://schemas.microsoft.com/office/powerpoint/2010/main" val="864080601"/>
               </p:ext>
             </p:extLst>
           </p:nvPr>
@@ -11749,12 +11814,12 @@
                     <a:p>
                       <a:pPr algn="ctr" fontAlgn="ctr"/>
                       <a:r>
-                        <a:rPr lang="en-US" altLang="zh-TW" sz="1400" u="none" strike="noStrike">
-                          <a:effectLst/>
-                        </a:rPr>
-                        <a:t>78.16%</a:t>
-                      </a:r>
-                      <a:endParaRPr lang="en-US" altLang="zh-TW" sz="1400" b="0" i="0" u="none" strike="noStrike">
+                        <a:rPr lang="en-US" altLang="zh-TW" sz="1400" u="none" strike="noStrike" dirty="0">
+                          <a:effectLst/>
+                        </a:rPr>
+                        <a:t>93.64%</a:t>
+                      </a:r>
+                      <a:endParaRPr lang="en-US" altLang="zh-TW" sz="1400" b="0" i="0" u="none" strike="noStrike" dirty="0">
                         <a:solidFill>
                           <a:srgbClr val="000000"/>
                         </a:solidFill>
@@ -12063,7 +12128,7 @@
           <p:nvPr>
             <p:extLst>
               <p:ext uri="{D42A27DB-BD31-4B8C-83A1-F6EECF244321}">
-                <p14:modId xmlns:p14="http://schemas.microsoft.com/office/powerpoint/2010/main" val="13757136"/>
+                <p14:modId xmlns:p14="http://schemas.microsoft.com/office/powerpoint/2010/main" val="2859374876"/>
               </p:ext>
             </p:extLst>
           </p:nvPr>
@@ -14644,7 +14709,7 @@
                         <a:rPr lang="en-US" altLang="zh-TW" sz="1400" u="none" strike="noStrike">
                           <a:effectLst/>
                         </a:rPr>
-                        <a:t>78.16%</a:t>
+                        <a:t>93.64%</a:t>
                       </a:r>
                       <a:endParaRPr lang="en-US" altLang="zh-TW" sz="1400" b="0" i="0" u="none" strike="noStrike">
                         <a:solidFill>

--- a/RolandJiang.pptx
+++ b/RolandJiang.pptx
@@ -5360,7 +5360,7 @@
           <a:p>
             <a:r>
               <a:rPr lang="en-US" altLang="zh-TW" dirty="0"/>
-              <a:t>Not Decided Yet</a:t>
+              <a:t>Annealed Annealing</a:t>
             </a:r>
             <a:endParaRPr lang="zh-TW" altLang="en-US" dirty="0"/>
           </a:p>
@@ -5389,22 +5389,35 @@
           <a:p>
             <a:r>
               <a:rPr lang="en-US" altLang="zh-TW" dirty="0"/>
-              <a:t>B11901015</a:t>
+              <a:t>B11901015 </a:t>
+            </a:r>
+            <a:r>
+              <a:rPr lang="zh-TW" altLang="en-US" dirty="0"/>
+              <a:t>黃思維</a:t>
             </a:r>
             <a:br>
               <a:rPr lang="en-US" altLang="zh-TW" dirty="0"/>
             </a:br>
             <a:r>
               <a:rPr lang="en-US" altLang="zh-TW" dirty="0"/>
-              <a:t>B11901020</a:t>
+              <a:t>B11901020 </a:t>
+            </a:r>
+            <a:r>
+              <a:rPr lang="zh-TW" altLang="en-US" dirty="0"/>
+              <a:t>鄭博元</a:t>
             </a:r>
             <a:br>
               <a:rPr lang="en-US" altLang="zh-TW" dirty="0"/>
             </a:br>
             <a:r>
               <a:rPr lang="en-US" altLang="zh-TW" dirty="0"/>
-              <a:t>B11901027</a:t>
+              <a:t>B11901027 </a:t>
             </a:r>
+            <a:r>
+              <a:rPr lang="zh-TW" altLang="en-US" dirty="0"/>
+              <a:t>王仁軒</a:t>
+            </a:r>
+            <a:endParaRPr lang="en-US" altLang="zh-TW" dirty="0"/>
           </a:p>
         </p:txBody>
       </p:sp>
